--- a/article-clark-reading-note.pptx
+++ b/article-clark-reading-note.pptx
@@ -2435,14 +2435,14 @@
       </p:sp>
       <p:sp>
         <p:nvSpPr>
-          <p:cNvPr id="42" name="J. Bradford DeLong brad.delong@gmail.com 2020-01-08 https://www.icloud.com/keynote/0h4DbG-5t5sfY_ky-UKRBj56A"/>
+          <p:cNvPr id="42" name="J. Bradford DeLong brad.delong@gmail.com 2020-01-08"/>
           <p:cNvSpPr txBox="1"/>
           <p:nvPr/>
         </p:nvSpPr>
         <p:spPr>
           <a:xfrm>
             <a:off x="0" y="6207759"/>
-            <a:ext cx="8850164" cy="650241"/>
+            <a:ext cx="8850164" cy="370841"/>
           </a:xfrm>
           <a:prstGeom prst="rect">
             <a:avLst/>
@@ -2483,20 +2483,6 @@
             <a:r>
               <a:t> 2020-01-08 </a:t>
             </a:r>
-            <a:r>
-              <a:rPr u="sng">
-                <a:solidFill>
-                  <a:srgbClr val="0000FF"/>
-                </a:solidFill>
-                <a:uFill>
-                  <a:solidFill>
-                    <a:srgbClr val="0000FF"/>
-                  </a:solidFill>
-                </a:uFill>
-                <a:hlinkClick r:id="rId4" invalidUrl="" action="" tgtFrame="" tooltip="" history="1" highlightClick="0" endSnd="0"/>
-              </a:rPr>
-              <a:t>https://www.icloud.com/keynote/0h4DbG-5t5sfY_ky-UKRBj56A</a:t>
-            </a:r>
           </a:p>
         </p:txBody>
       </p:sp>
@@ -2509,7 +2495,7 @@
           <p:nvPr/>
         </p:nvPicPr>
         <p:blipFill>
-          <a:blip r:embed="rId5">
+          <a:blip r:embed="rId4">
             <a:extLst/>
           </a:blip>
           <a:stretch>

--- a/article-clark-reading-note.pptx
+++ b/article-clark-reading-note.pptx
@@ -2435,14 +2435,14 @@
       </p:sp>
       <p:sp>
         <p:nvSpPr>
-          <p:cNvPr id="42" name="J. Bradford DeLong brad.delong@gmail.com 2020-01-08"/>
+          <p:cNvPr id="42" name="J. Bradford DeLong brad.delong@gmail.com 2020-01-08 https://github.com/braddelong/public-files/blob/master/article-clark-reading-note.pptx"/>
           <p:cNvSpPr txBox="1"/>
           <p:nvPr/>
         </p:nvSpPr>
         <p:spPr>
           <a:xfrm>
             <a:off x="0" y="6207759"/>
-            <a:ext cx="8850164" cy="370841"/>
+            <a:ext cx="8850164" cy="650241"/>
           </a:xfrm>
           <a:prstGeom prst="rect">
             <a:avLst/>
@@ -2483,6 +2483,23 @@
             <a:r>
               <a:t> 2020-01-08 </a:t>
             </a:r>
+            <a:r>
+              <a:rPr u="sng">
+                <a:solidFill>
+                  <a:srgbClr val="0000FF"/>
+                </a:solidFill>
+                <a:uFill>
+                  <a:solidFill>
+                    <a:srgbClr val="0000FF"/>
+                  </a:solidFill>
+                </a:uFill>
+                <a:hlinkClick r:id="rId4" invalidUrl="" action="" tgtFrame="" tooltip="" history="1" highlightClick="0" endSnd="0"/>
+              </a:rPr>
+              <a:t>https://github.com/braddelong/public-files/blob/master/article-clark-reading-note.pptx</a:t>
+            </a:r>
+            <a:r>
+              <a:t> </a:t>
+            </a:r>
           </a:p>
         </p:txBody>
       </p:sp>
@@ -2495,7 +2512,7 @@
           <p:nvPr/>
         </p:nvPicPr>
         <p:blipFill>
-          <a:blip r:embed="rId4">
+          <a:blip r:embed="rId5">
             <a:extLst/>
           </a:blip>
           <a:stretch>
